--- a/draw/figure.pptx
+++ b/draw/figure.pptx
@@ -8,6 +8,7 @@
     <p:sldId id="256" r:id="rId2"/>
     <p:sldId id="257" r:id="rId3"/>
     <p:sldId id="258" r:id="rId4"/>
+    <p:sldId id="259" r:id="rId5"/>
   </p:sldIdLst>
   <p:sldSz cx="12192000" cy="6858000"/>
   <p:notesSz cx="6858000" cy="9144000"/>
@@ -261,7 +262,7 @@
           <a:p>
             <a:fld id="{B306B0BA-AC57-4835-993A-B0520254B473}" type="datetimeFigureOut">
               <a:rPr lang="zh-CN" altLang="en-US" smtClean="0"/>
-              <a:t>2022/5/15</a:t>
+              <a:t>2022/5/21</a:t>
             </a:fld>
             <a:endParaRPr lang="zh-CN" altLang="en-US"/>
           </a:p>
@@ -459,7 +460,7 @@
           <a:p>
             <a:fld id="{B306B0BA-AC57-4835-993A-B0520254B473}" type="datetimeFigureOut">
               <a:rPr lang="zh-CN" altLang="en-US" smtClean="0"/>
-              <a:t>2022/5/15</a:t>
+              <a:t>2022/5/21</a:t>
             </a:fld>
             <a:endParaRPr lang="zh-CN" altLang="en-US"/>
           </a:p>
@@ -667,7 +668,7 @@
           <a:p>
             <a:fld id="{B306B0BA-AC57-4835-993A-B0520254B473}" type="datetimeFigureOut">
               <a:rPr lang="zh-CN" altLang="en-US" smtClean="0"/>
-              <a:t>2022/5/15</a:t>
+              <a:t>2022/5/21</a:t>
             </a:fld>
             <a:endParaRPr lang="zh-CN" altLang="en-US"/>
           </a:p>
@@ -865,7 +866,7 @@
           <a:p>
             <a:fld id="{B306B0BA-AC57-4835-993A-B0520254B473}" type="datetimeFigureOut">
               <a:rPr lang="zh-CN" altLang="en-US" smtClean="0"/>
-              <a:t>2022/5/15</a:t>
+              <a:t>2022/5/21</a:t>
             </a:fld>
             <a:endParaRPr lang="zh-CN" altLang="en-US"/>
           </a:p>
@@ -1140,7 +1141,7 @@
           <a:p>
             <a:fld id="{B306B0BA-AC57-4835-993A-B0520254B473}" type="datetimeFigureOut">
               <a:rPr lang="zh-CN" altLang="en-US" smtClean="0"/>
-              <a:t>2022/5/15</a:t>
+              <a:t>2022/5/21</a:t>
             </a:fld>
             <a:endParaRPr lang="zh-CN" altLang="en-US"/>
           </a:p>
@@ -1405,7 +1406,7 @@
           <a:p>
             <a:fld id="{B306B0BA-AC57-4835-993A-B0520254B473}" type="datetimeFigureOut">
               <a:rPr lang="zh-CN" altLang="en-US" smtClean="0"/>
-              <a:t>2022/5/15</a:t>
+              <a:t>2022/5/21</a:t>
             </a:fld>
             <a:endParaRPr lang="zh-CN" altLang="en-US"/>
           </a:p>
@@ -1817,7 +1818,7 @@
           <a:p>
             <a:fld id="{B306B0BA-AC57-4835-993A-B0520254B473}" type="datetimeFigureOut">
               <a:rPr lang="zh-CN" altLang="en-US" smtClean="0"/>
-              <a:t>2022/5/15</a:t>
+              <a:t>2022/5/21</a:t>
             </a:fld>
             <a:endParaRPr lang="zh-CN" altLang="en-US"/>
           </a:p>
@@ -1958,7 +1959,7 @@
           <a:p>
             <a:fld id="{B306B0BA-AC57-4835-993A-B0520254B473}" type="datetimeFigureOut">
               <a:rPr lang="zh-CN" altLang="en-US" smtClean="0"/>
-              <a:t>2022/5/15</a:t>
+              <a:t>2022/5/21</a:t>
             </a:fld>
             <a:endParaRPr lang="zh-CN" altLang="en-US"/>
           </a:p>
@@ -2071,7 +2072,7 @@
           <a:p>
             <a:fld id="{B306B0BA-AC57-4835-993A-B0520254B473}" type="datetimeFigureOut">
               <a:rPr lang="zh-CN" altLang="en-US" smtClean="0"/>
-              <a:t>2022/5/15</a:t>
+              <a:t>2022/5/21</a:t>
             </a:fld>
             <a:endParaRPr lang="zh-CN" altLang="en-US"/>
           </a:p>
@@ -2382,7 +2383,7 @@
           <a:p>
             <a:fld id="{B306B0BA-AC57-4835-993A-B0520254B473}" type="datetimeFigureOut">
               <a:rPr lang="zh-CN" altLang="en-US" smtClean="0"/>
-              <a:t>2022/5/15</a:t>
+              <a:t>2022/5/21</a:t>
             </a:fld>
             <a:endParaRPr lang="zh-CN" altLang="en-US"/>
           </a:p>
@@ -2670,7 +2671,7 @@
           <a:p>
             <a:fld id="{B306B0BA-AC57-4835-993A-B0520254B473}" type="datetimeFigureOut">
               <a:rPr lang="zh-CN" altLang="en-US" smtClean="0"/>
-              <a:t>2022/5/15</a:t>
+              <a:t>2022/5/21</a:t>
             </a:fld>
             <a:endParaRPr lang="zh-CN" altLang="en-US"/>
           </a:p>
@@ -2911,7 +2912,7 @@
           <a:p>
             <a:fld id="{B306B0BA-AC57-4835-993A-B0520254B473}" type="datetimeFigureOut">
               <a:rPr lang="zh-CN" altLang="en-US" smtClean="0"/>
-              <a:t>2022/5/15</a:t>
+              <a:t>2022/5/21</a:t>
             </a:fld>
             <a:endParaRPr lang="zh-CN" altLang="en-US"/>
           </a:p>
@@ -6281,6 +6282,1582 @@
 </p:sld>
 </file>
 
+<file path=ppt/slides/slide4.xml><?xml version="1.0" encoding="utf-8"?>
+<p:sld xmlns:a="http://schemas.openxmlformats.org/drawingml/2006/main" xmlns:r="http://schemas.openxmlformats.org/officeDocument/2006/relationships" xmlns:p="http://schemas.openxmlformats.org/presentationml/2006/main">
+  <p:cSld>
+    <p:spTree>
+      <p:nvGrpSpPr>
+        <p:cNvPr id="1" name=""/>
+        <p:cNvGrpSpPr/>
+        <p:nvPr/>
+      </p:nvGrpSpPr>
+      <p:grpSpPr>
+        <a:xfrm>
+          <a:off x="0" y="0"/>
+          <a:ext cx="0" cy="0"/>
+          <a:chOff x="0" y="0"/>
+          <a:chExt cx="0" cy="0"/>
+        </a:xfrm>
+      </p:grpSpPr>
+      <p:sp>
+        <p:nvSpPr>
+          <p:cNvPr id="8" name="箭头: 右 7">
+            <a:extLst>
+              <a:ext uri="{FF2B5EF4-FFF2-40B4-BE49-F238E27FC236}">
+                <a16:creationId xmlns:a16="http://schemas.microsoft.com/office/drawing/2014/main" id="{8405A3BF-B2DF-E3B5-6BD9-F0E12AAA138B}"/>
+              </a:ext>
+            </a:extLst>
+          </p:cNvPr>
+          <p:cNvSpPr/>
+          <p:nvPr/>
+        </p:nvSpPr>
+        <p:spPr>
+          <a:xfrm>
+            <a:off x="2166152" y="3289177"/>
+            <a:ext cx="1349405" cy="139823"/>
+          </a:xfrm>
+          <a:prstGeom prst="rightArrow">
+            <a:avLst/>
+          </a:prstGeom>
+          <a:solidFill>
+            <a:srgbClr val="00B0F0"/>
+          </a:solidFill>
+          <a:ln>
+            <a:noFill/>
+          </a:ln>
+        </p:spPr>
+        <p:style>
+          <a:lnRef idx="2">
+            <a:schemeClr val="dk1">
+              <a:shade val="50000"/>
+            </a:schemeClr>
+          </a:lnRef>
+          <a:fillRef idx="1">
+            <a:schemeClr val="dk1"/>
+          </a:fillRef>
+          <a:effectRef idx="0">
+            <a:schemeClr val="dk1"/>
+          </a:effectRef>
+          <a:fontRef idx="minor">
+            <a:schemeClr val="lt1"/>
+          </a:fontRef>
+        </p:style>
+        <p:txBody>
+          <a:bodyPr rtlCol="0" anchor="ctr"/>
+          <a:lstStyle/>
+          <a:p>
+            <a:pPr algn="ctr"/>
+            <a:endParaRPr lang="zh-CN" altLang="en-US"/>
+          </a:p>
+        </p:txBody>
+      </p:sp>
+      <p:pic>
+        <p:nvPicPr>
+          <p:cNvPr id="10" name="图形 9" descr="用户">
+            <a:extLst>
+              <a:ext uri="{FF2B5EF4-FFF2-40B4-BE49-F238E27FC236}">
+                <a16:creationId xmlns:a16="http://schemas.microsoft.com/office/drawing/2014/main" id="{4DC690AD-FECD-8688-BB10-C931F3ACC882}"/>
+              </a:ext>
+            </a:extLst>
+          </p:cNvPr>
+          <p:cNvPicPr>
+            <a:picLocks noChangeAspect="1"/>
+          </p:cNvPicPr>
+          <p:nvPr/>
+        </p:nvPicPr>
+        <p:blipFill>
+          <a:blip r:embed="rId2">
+            <a:extLst>
+              <a:ext uri="{28A0092B-C50C-407E-A947-70E740481C1C}">
+                <a14:useLocalDpi xmlns:a14="http://schemas.microsoft.com/office/drawing/2010/main" val="0"/>
+              </a:ext>
+              <a:ext uri="{96DAC541-7B7A-43D3-8B79-37D633B846F1}">
+                <asvg:svgBlip xmlns:asvg="http://schemas.microsoft.com/office/drawing/2016/SVG/main" r:embed="rId3"/>
+              </a:ext>
+            </a:extLst>
+          </a:blip>
+          <a:stretch>
+            <a:fillRect/>
+          </a:stretch>
+        </p:blipFill>
+        <p:spPr>
+          <a:xfrm>
+            <a:off x="1895383" y="2811902"/>
+            <a:ext cx="457200" cy="457200"/>
+          </a:xfrm>
+          <a:prstGeom prst="rect">
+            <a:avLst/>
+          </a:prstGeom>
+        </p:spPr>
+      </p:pic>
+      <p:pic>
+        <p:nvPicPr>
+          <p:cNvPr id="12" name="图形 11" descr="用户">
+            <a:extLst>
+              <a:ext uri="{FF2B5EF4-FFF2-40B4-BE49-F238E27FC236}">
+                <a16:creationId xmlns:a16="http://schemas.microsoft.com/office/drawing/2014/main" id="{1F3F746C-5F64-7877-B630-158BFA0CB6FF}"/>
+              </a:ext>
+            </a:extLst>
+          </p:cNvPr>
+          <p:cNvPicPr>
+            <a:picLocks noChangeAspect="1"/>
+          </p:cNvPicPr>
+          <p:nvPr/>
+        </p:nvPicPr>
+        <p:blipFill>
+          <a:blip r:embed="rId2">
+            <a:extLst>
+              <a:ext uri="{28A0092B-C50C-407E-A947-70E740481C1C}">
+                <a14:useLocalDpi xmlns:a14="http://schemas.microsoft.com/office/drawing/2010/main" val="0"/>
+              </a:ext>
+              <a:ext uri="{96DAC541-7B7A-43D3-8B79-37D633B846F1}">
+                <asvg:svgBlip xmlns:asvg="http://schemas.microsoft.com/office/drawing/2016/SVG/main" r:embed="rId3"/>
+              </a:ext>
+            </a:extLst>
+          </a:blip>
+          <a:stretch>
+            <a:fillRect/>
+          </a:stretch>
+        </p:blipFill>
+        <p:spPr>
+          <a:xfrm>
+            <a:off x="2916913" y="2807740"/>
+            <a:ext cx="457200" cy="457200"/>
+          </a:xfrm>
+          <a:prstGeom prst="rect">
+            <a:avLst/>
+          </a:prstGeom>
+        </p:spPr>
+      </p:pic>
+      <mc:AlternateContent xmlns:mc="http://schemas.openxmlformats.org/markup-compatibility/2006">
+        <mc:Choice xmlns:a14="http://schemas.microsoft.com/office/drawing/2010/main" Requires="a14">
+          <p:sp>
+            <p:nvSpPr>
+              <p:cNvPr id="13" name="文本框 12">
+                <a:extLst>
+                  <a:ext uri="{FF2B5EF4-FFF2-40B4-BE49-F238E27FC236}">
+                    <a16:creationId xmlns:a16="http://schemas.microsoft.com/office/drawing/2014/main" id="{B3593038-BF4A-F6FF-3EC3-D9356C6AC527}"/>
+                  </a:ext>
+                </a:extLst>
+              </p:cNvPr>
+              <p:cNvSpPr txBox="1"/>
+              <p:nvPr/>
+            </p:nvSpPr>
+            <p:spPr>
+              <a:xfrm>
+                <a:off x="3515557" y="3188748"/>
+                <a:ext cx="674703" cy="369332"/>
+              </a:xfrm>
+              <a:prstGeom prst="rect">
+                <a:avLst/>
+              </a:prstGeom>
+              <a:noFill/>
+            </p:spPr>
+            <p:txBody>
+              <a:bodyPr wrap="square" rtlCol="0">
+                <a:spAutoFit/>
+              </a:bodyPr>
+              <a:lstStyle/>
+              <a:p>
+                <a14:m>
+                  <m:oMathPara xmlns:m="http://schemas.openxmlformats.org/officeDocument/2006/math">
+                    <m:oMathParaPr>
+                      <m:jc m:val="centerGroup"/>
+                    </m:oMathParaPr>
+                    <m:oMath xmlns:m="http://schemas.openxmlformats.org/officeDocument/2006/math">
+                      <m:r>
+                        <a:rPr lang="en-US" altLang="zh-CN" b="0" i="1" smtClean="0">
+                          <a:latin typeface="Cambria Math" panose="02040503050406030204" pitchFamily="18" charset="0"/>
+                        </a:rPr>
+                        <m:t>𝑆𝑖𝑚</m:t>
+                      </m:r>
+                      <m:r>
+                        <a:rPr lang="en-US" altLang="zh-CN" b="0" i="1" smtClean="0">
+                          <a:latin typeface="Cambria Math" panose="02040503050406030204" pitchFamily="18" charset="0"/>
+                        </a:rPr>
+                        <m:t>(</m:t>
+                      </m:r>
+                      <m:r>
+                        <a:rPr lang="en-US" altLang="zh-CN" b="0" i="1" smtClean="0">
+                          <a:latin typeface="Cambria Math" panose="02040503050406030204" pitchFamily="18" charset="0"/>
+                        </a:rPr>
+                        <m:t>𝑖</m:t>
+                      </m:r>
+                      <m:r>
+                        <a:rPr lang="en-US" altLang="zh-CN" b="0" i="1" smtClean="0">
+                          <a:latin typeface="Cambria Math" panose="02040503050406030204" pitchFamily="18" charset="0"/>
+                        </a:rPr>
+                        <m:t>, </m:t>
+                      </m:r>
+                      <m:r>
+                        <a:rPr lang="en-US" altLang="zh-CN" b="0" i="1" smtClean="0">
+                          <a:latin typeface="Cambria Math" panose="02040503050406030204" pitchFamily="18" charset="0"/>
+                        </a:rPr>
+                        <m:t>𝑢</m:t>
+                      </m:r>
+                      <m:r>
+                        <a:rPr lang="en-US" altLang="zh-CN" b="0" i="1" smtClean="0">
+                          <a:latin typeface="Cambria Math" panose="02040503050406030204" pitchFamily="18" charset="0"/>
+                        </a:rPr>
+                        <m:t>)</m:t>
+                      </m:r>
+                    </m:oMath>
+                  </m:oMathPara>
+                </a14:m>
+                <a:endParaRPr lang="zh-CN" altLang="en-US" dirty="0"/>
+              </a:p>
+            </p:txBody>
+          </p:sp>
+        </mc:Choice>
+        <mc:Fallback>
+          <p:sp>
+            <p:nvSpPr>
+              <p:cNvPr id="13" name="文本框 12">
+                <a:extLst>
+                  <a:ext uri="{FF2B5EF4-FFF2-40B4-BE49-F238E27FC236}">
+                    <a16:creationId xmlns:a16="http://schemas.microsoft.com/office/drawing/2014/main" id="{B3593038-BF4A-F6FF-3EC3-D9356C6AC527}"/>
+                  </a:ext>
+                </a:extLst>
+              </p:cNvPr>
+              <p:cNvSpPr txBox="1">
+                <a:spLocks noRot="1" noChangeAspect="1" noMove="1" noResize="1" noEditPoints="1" noAdjustHandles="1" noChangeArrowheads="1" noChangeShapeType="1" noTextEdit="1"/>
+              </p:cNvSpPr>
+              <p:nvPr/>
+            </p:nvSpPr>
+            <p:spPr>
+              <a:xfrm>
+                <a:off x="3515557" y="3188748"/>
+                <a:ext cx="674703" cy="369332"/>
+              </a:xfrm>
+              <a:prstGeom prst="rect">
+                <a:avLst/>
+              </a:prstGeom>
+              <a:blipFill>
+                <a:blip r:embed="rId4"/>
+                <a:stretch>
+                  <a:fillRect r="-61818" b="-13115"/>
+                </a:stretch>
+              </a:blipFill>
+            </p:spPr>
+            <p:txBody>
+              <a:bodyPr/>
+              <a:lstStyle/>
+              <a:p>
+                <a:r>
+                  <a:rPr lang="zh-CN" altLang="en-US">
+                    <a:noFill/>
+                  </a:rPr>
+                  <a:t> </a:t>
+                </a:r>
+              </a:p>
+            </p:txBody>
+          </p:sp>
+        </mc:Fallback>
+      </mc:AlternateContent>
+      <p:sp>
+        <p:nvSpPr>
+          <p:cNvPr id="14" name="箭头: 右 13">
+            <a:extLst>
+              <a:ext uri="{FF2B5EF4-FFF2-40B4-BE49-F238E27FC236}">
+                <a16:creationId xmlns:a16="http://schemas.microsoft.com/office/drawing/2014/main" id="{6419E20B-15FD-2EB6-FCAB-45D11E6761B7}"/>
+              </a:ext>
+            </a:extLst>
+          </p:cNvPr>
+          <p:cNvSpPr/>
+          <p:nvPr/>
+        </p:nvSpPr>
+        <p:spPr>
+          <a:xfrm>
+            <a:off x="5745340" y="3335044"/>
+            <a:ext cx="1349405" cy="139823"/>
+          </a:xfrm>
+          <a:prstGeom prst="rightArrow">
+            <a:avLst/>
+          </a:prstGeom>
+          <a:solidFill>
+            <a:srgbClr val="00B0F0"/>
+          </a:solidFill>
+          <a:ln>
+            <a:noFill/>
+          </a:ln>
+        </p:spPr>
+        <p:style>
+          <a:lnRef idx="2">
+            <a:schemeClr val="dk1">
+              <a:shade val="50000"/>
+            </a:schemeClr>
+          </a:lnRef>
+          <a:fillRef idx="1">
+            <a:schemeClr val="dk1"/>
+          </a:fillRef>
+          <a:effectRef idx="0">
+            <a:schemeClr val="dk1"/>
+          </a:effectRef>
+          <a:fontRef idx="minor">
+            <a:schemeClr val="lt1"/>
+          </a:fontRef>
+        </p:style>
+        <p:txBody>
+          <a:bodyPr rtlCol="0" anchor="ctr"/>
+          <a:lstStyle/>
+          <a:p>
+            <a:pPr algn="ctr"/>
+            <a:endParaRPr lang="zh-CN" altLang="en-US"/>
+          </a:p>
+        </p:txBody>
+      </p:sp>
+      <mc:AlternateContent xmlns:mc="http://schemas.openxmlformats.org/markup-compatibility/2006">
+        <mc:Choice xmlns:a14="http://schemas.microsoft.com/office/drawing/2010/main" Requires="a14">
+          <p:sp>
+            <p:nvSpPr>
+              <p:cNvPr id="17" name="文本框 16">
+                <a:extLst>
+                  <a:ext uri="{FF2B5EF4-FFF2-40B4-BE49-F238E27FC236}">
+                    <a16:creationId xmlns:a16="http://schemas.microsoft.com/office/drawing/2014/main" id="{4A778366-7C0F-B5B5-6E04-95C4111334F9}"/>
+                  </a:ext>
+                </a:extLst>
+              </p:cNvPr>
+              <p:cNvSpPr txBox="1"/>
+              <p:nvPr/>
+            </p:nvSpPr>
+            <p:spPr>
+              <a:xfrm>
+                <a:off x="7094745" y="3234615"/>
+                <a:ext cx="674703" cy="369332"/>
+              </a:xfrm>
+              <a:prstGeom prst="rect">
+                <a:avLst/>
+              </a:prstGeom>
+              <a:noFill/>
+            </p:spPr>
+            <p:txBody>
+              <a:bodyPr wrap="square" rtlCol="0">
+                <a:spAutoFit/>
+              </a:bodyPr>
+              <a:lstStyle/>
+              <a:p>
+                <a14:m>
+                  <m:oMathPara xmlns:m="http://schemas.openxmlformats.org/officeDocument/2006/math">
+                    <m:oMathParaPr>
+                      <m:jc m:val="centerGroup"/>
+                    </m:oMathParaPr>
+                    <m:oMath xmlns:m="http://schemas.openxmlformats.org/officeDocument/2006/math">
+                      <m:r>
+                        <a:rPr lang="en-US" altLang="zh-CN" b="0" i="1" smtClean="0">
+                          <a:latin typeface="Cambria Math" panose="02040503050406030204" pitchFamily="18" charset="0"/>
+                        </a:rPr>
+                        <m:t>𝑆𝑖𝑚</m:t>
+                      </m:r>
+                      <m:r>
+                        <a:rPr lang="en-US" altLang="zh-CN" b="0" i="1" smtClean="0">
+                          <a:latin typeface="Cambria Math" panose="02040503050406030204" pitchFamily="18" charset="0"/>
+                        </a:rPr>
+                        <m:t>(</m:t>
+                      </m:r>
+                      <m:r>
+                        <a:rPr lang="en-US" altLang="zh-CN" b="0" i="1" smtClean="0">
+                          <a:latin typeface="Cambria Math" panose="02040503050406030204" pitchFamily="18" charset="0"/>
+                        </a:rPr>
+                        <m:t>𝑖</m:t>
+                      </m:r>
+                      <m:r>
+                        <a:rPr lang="en-US" altLang="zh-CN" b="0" i="1" smtClean="0">
+                          <a:latin typeface="Cambria Math" panose="02040503050406030204" pitchFamily="18" charset="0"/>
+                        </a:rPr>
+                        <m:t>, </m:t>
+                      </m:r>
+                      <m:r>
+                        <a:rPr lang="en-US" altLang="zh-CN" b="0" i="1" smtClean="0">
+                          <a:latin typeface="Cambria Math" panose="02040503050406030204" pitchFamily="18" charset="0"/>
+                        </a:rPr>
+                        <m:t>𝑢</m:t>
+                      </m:r>
+                      <m:r>
+                        <a:rPr lang="en-US" altLang="zh-CN" b="0" i="1" smtClean="0">
+                          <a:latin typeface="Cambria Math" panose="02040503050406030204" pitchFamily="18" charset="0"/>
+                        </a:rPr>
+                        <m:t>)</m:t>
+                      </m:r>
+                    </m:oMath>
+                  </m:oMathPara>
+                </a14:m>
+                <a:endParaRPr lang="zh-CN" altLang="en-US" dirty="0"/>
+              </a:p>
+            </p:txBody>
+          </p:sp>
+        </mc:Choice>
+        <mc:Fallback>
+          <p:sp>
+            <p:nvSpPr>
+              <p:cNvPr id="17" name="文本框 16">
+                <a:extLst>
+                  <a:ext uri="{FF2B5EF4-FFF2-40B4-BE49-F238E27FC236}">
+                    <a16:creationId xmlns:a16="http://schemas.microsoft.com/office/drawing/2014/main" id="{4A778366-7C0F-B5B5-6E04-95C4111334F9}"/>
+                  </a:ext>
+                </a:extLst>
+              </p:cNvPr>
+              <p:cNvSpPr txBox="1">
+                <a:spLocks noRot="1" noChangeAspect="1" noMove="1" noResize="1" noEditPoints="1" noAdjustHandles="1" noChangeArrowheads="1" noChangeShapeType="1" noTextEdit="1"/>
+              </p:cNvSpPr>
+              <p:nvPr/>
+            </p:nvSpPr>
+            <p:spPr>
+              <a:xfrm>
+                <a:off x="7094745" y="3234615"/>
+                <a:ext cx="674703" cy="369332"/>
+              </a:xfrm>
+              <a:prstGeom prst="rect">
+                <a:avLst/>
+              </a:prstGeom>
+              <a:blipFill>
+                <a:blip r:embed="rId5"/>
+                <a:stretch>
+                  <a:fillRect r="-60360" b="-13333"/>
+                </a:stretch>
+              </a:blipFill>
+            </p:spPr>
+            <p:txBody>
+              <a:bodyPr/>
+              <a:lstStyle/>
+              <a:p>
+                <a:r>
+                  <a:rPr lang="zh-CN" altLang="en-US">
+                    <a:noFill/>
+                  </a:rPr>
+                  <a:t> </a:t>
+                </a:r>
+              </a:p>
+            </p:txBody>
+          </p:sp>
+        </mc:Fallback>
+      </mc:AlternateContent>
+      <p:sp>
+        <p:nvSpPr>
+          <p:cNvPr id="18" name="箭头: 右 17">
+            <a:extLst>
+              <a:ext uri="{FF2B5EF4-FFF2-40B4-BE49-F238E27FC236}">
+                <a16:creationId xmlns:a16="http://schemas.microsoft.com/office/drawing/2014/main" id="{C4284E52-72E2-1094-61B9-B06F3A12D02E}"/>
+              </a:ext>
+            </a:extLst>
+          </p:cNvPr>
+          <p:cNvSpPr/>
+          <p:nvPr/>
+        </p:nvSpPr>
+        <p:spPr>
+          <a:xfrm rot="19358914">
+            <a:off x="5599881" y="2926721"/>
+            <a:ext cx="1349405" cy="139823"/>
+          </a:xfrm>
+          <a:prstGeom prst="rightArrow">
+            <a:avLst/>
+          </a:prstGeom>
+          <a:solidFill>
+            <a:schemeClr val="accent4"/>
+          </a:solidFill>
+          <a:ln>
+            <a:noFill/>
+          </a:ln>
+        </p:spPr>
+        <p:style>
+          <a:lnRef idx="2">
+            <a:schemeClr val="dk1">
+              <a:shade val="50000"/>
+            </a:schemeClr>
+          </a:lnRef>
+          <a:fillRef idx="1">
+            <a:schemeClr val="dk1"/>
+          </a:fillRef>
+          <a:effectRef idx="0">
+            <a:schemeClr val="dk1"/>
+          </a:effectRef>
+          <a:fontRef idx="minor">
+            <a:schemeClr val="lt1"/>
+          </a:fontRef>
+        </p:style>
+        <p:txBody>
+          <a:bodyPr rtlCol="0" anchor="ctr"/>
+          <a:lstStyle/>
+          <a:p>
+            <a:pPr algn="ctr"/>
+            <a:endParaRPr lang="zh-CN" altLang="en-US"/>
+          </a:p>
+        </p:txBody>
+      </p:sp>
+      <p:sp>
+        <p:nvSpPr>
+          <p:cNvPr id="19" name="箭头: 右 18">
+            <a:extLst>
+              <a:ext uri="{FF2B5EF4-FFF2-40B4-BE49-F238E27FC236}">
+                <a16:creationId xmlns:a16="http://schemas.microsoft.com/office/drawing/2014/main" id="{9DC07293-FD9E-AC64-6DA9-A256AB93462E}"/>
+              </a:ext>
+            </a:extLst>
+          </p:cNvPr>
+          <p:cNvSpPr/>
+          <p:nvPr/>
+        </p:nvSpPr>
+        <p:spPr>
+          <a:xfrm rot="16200000">
+            <a:off x="5070637" y="2697280"/>
+            <a:ext cx="1349405" cy="139823"/>
+          </a:xfrm>
+          <a:prstGeom prst="rightArrow">
+            <a:avLst/>
+          </a:prstGeom>
+          <a:solidFill>
+            <a:srgbClr val="FF0000"/>
+          </a:solidFill>
+          <a:ln>
+            <a:noFill/>
+          </a:ln>
+        </p:spPr>
+        <p:style>
+          <a:lnRef idx="2">
+            <a:schemeClr val="dk1">
+              <a:shade val="50000"/>
+            </a:schemeClr>
+          </a:lnRef>
+          <a:fillRef idx="1">
+            <a:schemeClr val="dk1"/>
+          </a:fillRef>
+          <a:effectRef idx="0">
+            <a:schemeClr val="dk1"/>
+          </a:effectRef>
+          <a:fontRef idx="minor">
+            <a:schemeClr val="lt1"/>
+          </a:fontRef>
+        </p:style>
+        <p:txBody>
+          <a:bodyPr rtlCol="0" anchor="ctr"/>
+          <a:lstStyle/>
+          <a:p>
+            <a:pPr algn="ctr"/>
+            <a:endParaRPr lang="zh-CN" altLang="en-US"/>
+          </a:p>
+        </p:txBody>
+      </p:sp>
+      <p:pic>
+        <p:nvPicPr>
+          <p:cNvPr id="16" name="图形 15" descr="用户">
+            <a:extLst>
+              <a:ext uri="{FF2B5EF4-FFF2-40B4-BE49-F238E27FC236}">
+                <a16:creationId xmlns:a16="http://schemas.microsoft.com/office/drawing/2014/main" id="{364966FC-2D28-FF20-D665-47C67AD9A61A}"/>
+              </a:ext>
+            </a:extLst>
+          </p:cNvPr>
+          <p:cNvPicPr>
+            <a:picLocks noChangeAspect="1"/>
+          </p:cNvPicPr>
+          <p:nvPr/>
+        </p:nvPicPr>
+        <p:blipFill>
+          <a:blip r:embed="rId2">
+            <a:extLst>
+              <a:ext uri="{28A0092B-C50C-407E-A947-70E740481C1C}">
+                <a14:useLocalDpi xmlns:a14="http://schemas.microsoft.com/office/drawing/2010/main" val="0"/>
+              </a:ext>
+              <a:ext uri="{96DAC541-7B7A-43D3-8B79-37D633B846F1}">
+                <asvg:svgBlip xmlns:asvg="http://schemas.microsoft.com/office/drawing/2016/SVG/main" r:embed="rId3"/>
+              </a:ext>
+            </a:extLst>
+          </a:blip>
+          <a:stretch>
+            <a:fillRect/>
+          </a:stretch>
+        </p:blipFill>
+        <p:spPr>
+          <a:xfrm>
+            <a:off x="5437054" y="3423920"/>
+            <a:ext cx="457200" cy="457200"/>
+          </a:xfrm>
+          <a:prstGeom prst="rect">
+            <a:avLst/>
+          </a:prstGeom>
+        </p:spPr>
+      </p:pic>
+      <p:pic>
+        <p:nvPicPr>
+          <p:cNvPr id="15" name="图形 14" descr="用户">
+            <a:extLst>
+              <a:ext uri="{FF2B5EF4-FFF2-40B4-BE49-F238E27FC236}">
+                <a16:creationId xmlns:a16="http://schemas.microsoft.com/office/drawing/2014/main" id="{40EA6A85-50B6-51C4-DDDC-B6308B5C97BC}"/>
+              </a:ext>
+            </a:extLst>
+          </p:cNvPr>
+          <p:cNvPicPr>
+            <a:picLocks noChangeAspect="1"/>
+          </p:cNvPicPr>
+          <p:nvPr/>
+        </p:nvPicPr>
+        <p:blipFill>
+          <a:blip r:embed="rId2">
+            <a:extLst>
+              <a:ext uri="{28A0092B-C50C-407E-A947-70E740481C1C}">
+                <a14:useLocalDpi xmlns:a14="http://schemas.microsoft.com/office/drawing/2010/main" val="0"/>
+              </a:ext>
+              <a:ext uri="{96DAC541-7B7A-43D3-8B79-37D633B846F1}">
+                <asvg:svgBlip xmlns:asvg="http://schemas.microsoft.com/office/drawing/2016/SVG/main" r:embed="rId3"/>
+              </a:ext>
+            </a:extLst>
+          </a:blip>
+          <a:stretch>
+            <a:fillRect/>
+          </a:stretch>
+        </p:blipFill>
+        <p:spPr>
+          <a:xfrm>
+            <a:off x="6843219" y="2704779"/>
+            <a:ext cx="457200" cy="457200"/>
+          </a:xfrm>
+          <a:prstGeom prst="rect">
+            <a:avLst/>
+          </a:prstGeom>
+        </p:spPr>
+      </p:pic>
+      <mc:AlternateContent xmlns:mc="http://schemas.openxmlformats.org/markup-compatibility/2006">
+        <mc:Choice xmlns:a14="http://schemas.microsoft.com/office/drawing/2010/main" Requires="a14">
+          <p:sp>
+            <p:nvSpPr>
+              <p:cNvPr id="23" name="文本框 22">
+                <a:extLst>
+                  <a:ext uri="{FF2B5EF4-FFF2-40B4-BE49-F238E27FC236}">
+                    <a16:creationId xmlns:a16="http://schemas.microsoft.com/office/drawing/2014/main" id="{9C225D6F-B38C-4EC5-69C3-6A64827F32C2}"/>
+                  </a:ext>
+                </a:extLst>
+              </p:cNvPr>
+              <p:cNvSpPr txBox="1"/>
+              <p:nvPr/>
+            </p:nvSpPr>
+            <p:spPr>
+              <a:xfrm>
+                <a:off x="6873739" y="2379384"/>
+                <a:ext cx="1028615" cy="276999"/>
+              </a:xfrm>
+              <a:prstGeom prst="rect">
+                <a:avLst/>
+              </a:prstGeom>
+              <a:noFill/>
+            </p:spPr>
+            <p:txBody>
+              <a:bodyPr wrap="none" lIns="0" tIns="0" rIns="0" bIns="0" rtlCol="0">
+                <a:spAutoFit/>
+              </a:bodyPr>
+              <a:lstStyle/>
+              <a:p>
+                <a14:m>
+                  <m:oMathPara xmlns:m="http://schemas.openxmlformats.org/officeDocument/2006/math">
+                    <m:oMathParaPr>
+                      <m:jc m:val="centerGroup"/>
+                    </m:oMathParaPr>
+                    <m:oMath xmlns:m="http://schemas.openxmlformats.org/officeDocument/2006/math">
+                      <m:r>
+                        <a:rPr lang="en-US" altLang="zh-CN" b="0" i="1" smtClean="0">
+                          <a:latin typeface="Cambria Math" panose="02040503050406030204" pitchFamily="18" charset="0"/>
+                        </a:rPr>
+                        <m:t>𝐹𝑎𝑚</m:t>
+                      </m:r>
+                      <m:r>
+                        <a:rPr lang="en-US" altLang="zh-CN" b="0" i="1" smtClean="0">
+                          <a:latin typeface="Cambria Math" panose="02040503050406030204" pitchFamily="18" charset="0"/>
+                        </a:rPr>
+                        <m:t>(</m:t>
+                      </m:r>
+                      <m:r>
+                        <a:rPr lang="en-US" altLang="zh-CN" b="0" i="1" smtClean="0">
+                          <a:latin typeface="Cambria Math" panose="02040503050406030204" pitchFamily="18" charset="0"/>
+                        </a:rPr>
+                        <m:t>𝑖</m:t>
+                      </m:r>
+                      <m:r>
+                        <a:rPr lang="en-US" altLang="zh-CN" b="0" i="1" smtClean="0">
+                          <a:latin typeface="Cambria Math" panose="02040503050406030204" pitchFamily="18" charset="0"/>
+                        </a:rPr>
+                        <m:t>, </m:t>
+                      </m:r>
+                      <m:r>
+                        <a:rPr lang="en-US" altLang="zh-CN" b="0" i="1" smtClean="0">
+                          <a:latin typeface="Cambria Math" panose="02040503050406030204" pitchFamily="18" charset="0"/>
+                        </a:rPr>
+                        <m:t>𝑢</m:t>
+                      </m:r>
+                      <m:r>
+                        <a:rPr lang="en-US" altLang="zh-CN" b="0" i="1" smtClean="0">
+                          <a:latin typeface="Cambria Math" panose="02040503050406030204" pitchFamily="18" charset="0"/>
+                        </a:rPr>
+                        <m:t>)</m:t>
+                      </m:r>
+                    </m:oMath>
+                  </m:oMathPara>
+                </a14:m>
+                <a:endParaRPr lang="zh-CN" altLang="en-US" dirty="0"/>
+              </a:p>
+            </p:txBody>
+          </p:sp>
+        </mc:Choice>
+        <mc:Fallback>
+          <p:sp>
+            <p:nvSpPr>
+              <p:cNvPr id="23" name="文本框 22">
+                <a:extLst>
+                  <a:ext uri="{FF2B5EF4-FFF2-40B4-BE49-F238E27FC236}">
+                    <a16:creationId xmlns:a16="http://schemas.microsoft.com/office/drawing/2014/main" id="{9C225D6F-B38C-4EC5-69C3-6A64827F32C2}"/>
+                  </a:ext>
+                </a:extLst>
+              </p:cNvPr>
+              <p:cNvSpPr txBox="1">
+                <a:spLocks noRot="1" noChangeAspect="1" noMove="1" noResize="1" noEditPoints="1" noAdjustHandles="1" noChangeArrowheads="1" noChangeShapeType="1" noTextEdit="1"/>
+              </p:cNvSpPr>
+              <p:nvPr/>
+            </p:nvSpPr>
+            <p:spPr>
+              <a:xfrm>
+                <a:off x="6873739" y="2379384"/>
+                <a:ext cx="1028615" cy="276999"/>
+              </a:xfrm>
+              <a:prstGeom prst="rect">
+                <a:avLst/>
+              </a:prstGeom>
+              <a:blipFill>
+                <a:blip r:embed="rId6"/>
+                <a:stretch>
+                  <a:fillRect l="-4762" t="-2174" r="-7738" b="-32609"/>
+                </a:stretch>
+              </a:blipFill>
+            </p:spPr>
+            <p:txBody>
+              <a:bodyPr/>
+              <a:lstStyle/>
+              <a:p>
+                <a:r>
+                  <a:rPr lang="zh-CN" altLang="en-US">
+                    <a:noFill/>
+                  </a:rPr>
+                  <a:t> </a:t>
+                </a:r>
+              </a:p>
+            </p:txBody>
+          </p:sp>
+        </mc:Fallback>
+      </mc:AlternateContent>
+      <mc:AlternateContent xmlns:mc="http://schemas.openxmlformats.org/markup-compatibility/2006">
+        <mc:Choice xmlns:a14="http://schemas.microsoft.com/office/drawing/2010/main" Requires="a14">
+          <p:sp>
+            <p:nvSpPr>
+              <p:cNvPr id="24" name="文本框 23">
+                <a:extLst>
+                  <a:ext uri="{FF2B5EF4-FFF2-40B4-BE49-F238E27FC236}">
+                    <a16:creationId xmlns:a16="http://schemas.microsoft.com/office/drawing/2014/main" id="{382AC063-521E-03D8-3769-06ECD7A1FB0C}"/>
+                  </a:ext>
+                </a:extLst>
+              </p:cNvPr>
+              <p:cNvSpPr txBox="1"/>
+              <p:nvPr/>
+            </p:nvSpPr>
+            <p:spPr>
+              <a:xfrm>
+                <a:off x="4917308" y="2072831"/>
+                <a:ext cx="748346" cy="276999"/>
+              </a:xfrm>
+              <a:prstGeom prst="rect">
+                <a:avLst/>
+              </a:prstGeom>
+              <a:noFill/>
+            </p:spPr>
+            <p:txBody>
+              <a:bodyPr wrap="none" lIns="0" tIns="0" rIns="0" bIns="0" rtlCol="0">
+                <a:spAutoFit/>
+              </a:bodyPr>
+              <a:lstStyle/>
+              <a:p>
+                <a14:m>
+                  <m:oMathPara xmlns:m="http://schemas.openxmlformats.org/officeDocument/2006/math">
+                    <m:oMathParaPr>
+                      <m:jc m:val="centerGroup"/>
+                    </m:oMathParaPr>
+                    <m:oMath xmlns:m="http://schemas.openxmlformats.org/officeDocument/2006/math">
+                      <m:r>
+                        <a:rPr lang="en-US" altLang="zh-CN" b="0" i="1" smtClean="0">
+                          <a:latin typeface="Cambria Math" panose="02040503050406030204" pitchFamily="18" charset="0"/>
+                        </a:rPr>
+                        <m:t>𝐼𝑛𝑓</m:t>
+                      </m:r>
+                      <m:r>
+                        <a:rPr lang="en-US" altLang="zh-CN" b="0" i="1" smtClean="0">
+                          <a:latin typeface="Cambria Math" panose="02040503050406030204" pitchFamily="18" charset="0"/>
+                        </a:rPr>
+                        <m:t>(</m:t>
+                      </m:r>
+                      <m:r>
+                        <a:rPr lang="en-US" altLang="zh-CN" b="0" i="1" smtClean="0">
+                          <a:latin typeface="Cambria Math" panose="02040503050406030204" pitchFamily="18" charset="0"/>
+                        </a:rPr>
+                        <m:t>𝑢</m:t>
+                      </m:r>
+                      <m:r>
+                        <a:rPr lang="en-US" altLang="zh-CN" b="0" i="1" smtClean="0">
+                          <a:latin typeface="Cambria Math" panose="02040503050406030204" pitchFamily="18" charset="0"/>
+                        </a:rPr>
+                        <m:t>)</m:t>
+                      </m:r>
+                    </m:oMath>
+                  </m:oMathPara>
+                </a14:m>
+                <a:endParaRPr lang="zh-CN" altLang="en-US" dirty="0"/>
+              </a:p>
+            </p:txBody>
+          </p:sp>
+        </mc:Choice>
+        <mc:Fallback>
+          <p:sp>
+            <p:nvSpPr>
+              <p:cNvPr id="24" name="文本框 23">
+                <a:extLst>
+                  <a:ext uri="{FF2B5EF4-FFF2-40B4-BE49-F238E27FC236}">
+                    <a16:creationId xmlns:a16="http://schemas.microsoft.com/office/drawing/2014/main" id="{382AC063-521E-03D8-3769-06ECD7A1FB0C}"/>
+                  </a:ext>
+                </a:extLst>
+              </p:cNvPr>
+              <p:cNvSpPr txBox="1">
+                <a:spLocks noRot="1" noChangeAspect="1" noMove="1" noResize="1" noEditPoints="1" noAdjustHandles="1" noChangeArrowheads="1" noChangeShapeType="1" noTextEdit="1"/>
+              </p:cNvSpPr>
+              <p:nvPr/>
+            </p:nvSpPr>
+            <p:spPr>
+              <a:xfrm>
+                <a:off x="4917308" y="2072831"/>
+                <a:ext cx="748346" cy="276999"/>
+              </a:xfrm>
+              <a:prstGeom prst="rect">
+                <a:avLst/>
+              </a:prstGeom>
+              <a:blipFill>
+                <a:blip r:embed="rId7"/>
+                <a:stretch>
+                  <a:fillRect l="-9836" t="-2222" r="-10656" b="-35556"/>
+                </a:stretch>
+              </a:blipFill>
+            </p:spPr>
+            <p:txBody>
+              <a:bodyPr/>
+              <a:lstStyle/>
+              <a:p>
+                <a:r>
+                  <a:rPr lang="zh-CN" altLang="en-US">
+                    <a:noFill/>
+                  </a:rPr>
+                  <a:t> </a:t>
+                </a:r>
+              </a:p>
+            </p:txBody>
+          </p:sp>
+        </mc:Fallback>
+      </mc:AlternateContent>
+      <p:cxnSp>
+        <p:nvCxnSpPr>
+          <p:cNvPr id="26" name="直接连接符 25">
+            <a:extLst>
+              <a:ext uri="{FF2B5EF4-FFF2-40B4-BE49-F238E27FC236}">
+                <a16:creationId xmlns:a16="http://schemas.microsoft.com/office/drawing/2014/main" id="{8CA52156-33C7-73D9-AB30-67D6AD4E7FF7}"/>
+              </a:ext>
+            </a:extLst>
+          </p:cNvPr>
+          <p:cNvCxnSpPr>
+            <a:cxnSpLocks/>
+          </p:cNvCxnSpPr>
+          <p:nvPr/>
+        </p:nvCxnSpPr>
+        <p:spPr>
+          <a:xfrm>
+            <a:off x="2138921" y="3358987"/>
+            <a:ext cx="1006592" cy="0"/>
+          </a:xfrm>
+          <a:prstGeom prst="line">
+            <a:avLst/>
+          </a:prstGeom>
+          <a:ln w="9525" cap="flat" cmpd="sng" algn="ctr">
+            <a:solidFill>
+              <a:schemeClr val="bg1">
+                <a:lumMod val="50000"/>
+              </a:schemeClr>
+            </a:solidFill>
+            <a:prstDash val="dash"/>
+            <a:round/>
+            <a:headEnd type="none" w="med" len="med"/>
+            <a:tailEnd type="none" w="med" len="med"/>
+          </a:ln>
+        </p:spPr>
+        <p:style>
+          <a:lnRef idx="0">
+            <a:scrgbClr r="0" g="0" b="0"/>
+          </a:lnRef>
+          <a:fillRef idx="0">
+            <a:scrgbClr r="0" g="0" b="0"/>
+          </a:fillRef>
+          <a:effectRef idx="0">
+            <a:scrgbClr r="0" g="0" b="0"/>
+          </a:effectRef>
+          <a:fontRef idx="minor">
+            <a:schemeClr val="tx1"/>
+          </a:fontRef>
+        </p:style>
+      </p:cxnSp>
+      <p:sp>
+        <p:nvSpPr>
+          <p:cNvPr id="20" name="椭圆 19">
+            <a:extLst>
+              <a:ext uri="{FF2B5EF4-FFF2-40B4-BE49-F238E27FC236}">
+                <a16:creationId xmlns:a16="http://schemas.microsoft.com/office/drawing/2014/main" id="{ED475B4C-7BEA-7971-FEC2-DA55D381517D}"/>
+              </a:ext>
+            </a:extLst>
+          </p:cNvPr>
+          <p:cNvSpPr/>
+          <p:nvPr/>
+        </p:nvSpPr>
+        <p:spPr>
+          <a:xfrm>
+            <a:off x="2058322" y="3289076"/>
+            <a:ext cx="139823" cy="139823"/>
+          </a:xfrm>
+          <a:prstGeom prst="ellipse">
+            <a:avLst/>
+          </a:prstGeom>
+          <a:solidFill>
+            <a:schemeClr val="bg1"/>
+          </a:solidFill>
+          <a:ln>
+            <a:solidFill>
+              <a:schemeClr val="tx1"/>
+            </a:solidFill>
+          </a:ln>
+        </p:spPr>
+        <p:style>
+          <a:lnRef idx="2">
+            <a:schemeClr val="accent1">
+              <a:shade val="50000"/>
+            </a:schemeClr>
+          </a:lnRef>
+          <a:fillRef idx="1">
+            <a:schemeClr val="accent1"/>
+          </a:fillRef>
+          <a:effectRef idx="0">
+            <a:schemeClr val="accent1"/>
+          </a:effectRef>
+          <a:fontRef idx="minor">
+            <a:schemeClr val="lt1"/>
+          </a:fontRef>
+        </p:style>
+        <p:txBody>
+          <a:bodyPr rtlCol="0" anchor="ctr"/>
+          <a:lstStyle/>
+          <a:p>
+            <a:pPr algn="ctr"/>
+            <a:endParaRPr lang="zh-CN" altLang="en-US"/>
+          </a:p>
+        </p:txBody>
+      </p:sp>
+      <p:cxnSp>
+        <p:nvCxnSpPr>
+          <p:cNvPr id="28" name="直接连接符 27">
+            <a:extLst>
+              <a:ext uri="{FF2B5EF4-FFF2-40B4-BE49-F238E27FC236}">
+                <a16:creationId xmlns:a16="http://schemas.microsoft.com/office/drawing/2014/main" id="{E0DFDBFF-3C61-1A37-42E1-96B14732B794}"/>
+              </a:ext>
+            </a:extLst>
+          </p:cNvPr>
+          <p:cNvCxnSpPr>
+            <a:cxnSpLocks/>
+          </p:cNvCxnSpPr>
+          <p:nvPr/>
+        </p:nvCxnSpPr>
+        <p:spPr>
+          <a:xfrm flipV="1">
+            <a:off x="5745338" y="2993771"/>
+            <a:ext cx="951620" cy="409775"/>
+          </a:xfrm>
+          <a:prstGeom prst="line">
+            <a:avLst/>
+          </a:prstGeom>
+          <a:ln w="9525" cap="flat" cmpd="sng" algn="ctr">
+            <a:solidFill>
+              <a:schemeClr val="bg1">
+                <a:lumMod val="50000"/>
+              </a:schemeClr>
+            </a:solidFill>
+            <a:prstDash val="dash"/>
+            <a:round/>
+            <a:headEnd type="none" w="med" len="med"/>
+            <a:tailEnd type="none" w="med" len="med"/>
+          </a:ln>
+        </p:spPr>
+        <p:style>
+          <a:lnRef idx="0">
+            <a:scrgbClr r="0" g="0" b="0"/>
+          </a:lnRef>
+          <a:fillRef idx="0">
+            <a:scrgbClr r="0" g="0" b="0"/>
+          </a:fillRef>
+          <a:effectRef idx="0">
+            <a:scrgbClr r="0" g="0" b="0"/>
+          </a:effectRef>
+          <a:fontRef idx="minor">
+            <a:schemeClr val="tx1"/>
+          </a:fontRef>
+        </p:style>
+      </p:cxnSp>
+      <p:sp>
+        <p:nvSpPr>
+          <p:cNvPr id="29" name="椭圆 28">
+            <a:extLst>
+              <a:ext uri="{FF2B5EF4-FFF2-40B4-BE49-F238E27FC236}">
+                <a16:creationId xmlns:a16="http://schemas.microsoft.com/office/drawing/2014/main" id="{D80BB767-D159-A64B-AD7A-07FA5EA33A9A}"/>
+              </a:ext>
+            </a:extLst>
+          </p:cNvPr>
+          <p:cNvSpPr/>
+          <p:nvPr/>
+        </p:nvSpPr>
+        <p:spPr>
+          <a:xfrm>
+            <a:off x="3073003" y="3289076"/>
+            <a:ext cx="139823" cy="139823"/>
+          </a:xfrm>
+          <a:prstGeom prst="ellipse">
+            <a:avLst/>
+          </a:prstGeom>
+          <a:solidFill>
+            <a:schemeClr val="bg1"/>
+          </a:solidFill>
+          <a:ln>
+            <a:solidFill>
+              <a:schemeClr val="tx1"/>
+            </a:solidFill>
+          </a:ln>
+        </p:spPr>
+        <p:style>
+          <a:lnRef idx="2">
+            <a:schemeClr val="accent1">
+              <a:shade val="50000"/>
+            </a:schemeClr>
+          </a:lnRef>
+          <a:fillRef idx="1">
+            <a:schemeClr val="accent1"/>
+          </a:fillRef>
+          <a:effectRef idx="0">
+            <a:schemeClr val="accent1"/>
+          </a:effectRef>
+          <a:fontRef idx="minor">
+            <a:schemeClr val="lt1"/>
+          </a:fontRef>
+        </p:style>
+        <p:txBody>
+          <a:bodyPr rtlCol="0" anchor="ctr"/>
+          <a:lstStyle/>
+          <a:p>
+            <a:pPr algn="ctr"/>
+            <a:endParaRPr lang="zh-CN" altLang="en-US"/>
+          </a:p>
+        </p:txBody>
+      </p:sp>
+      <p:sp>
+        <p:nvSpPr>
+          <p:cNvPr id="22" name="椭圆 21">
+            <a:extLst>
+              <a:ext uri="{FF2B5EF4-FFF2-40B4-BE49-F238E27FC236}">
+                <a16:creationId xmlns:a16="http://schemas.microsoft.com/office/drawing/2014/main" id="{140A8C3F-08CA-D1C1-EB68-EB374A39831F}"/>
+              </a:ext>
+            </a:extLst>
+          </p:cNvPr>
+          <p:cNvSpPr/>
+          <p:nvPr/>
+        </p:nvSpPr>
+        <p:spPr>
+          <a:xfrm>
+            <a:off x="5675427" y="3316357"/>
+            <a:ext cx="139823" cy="139823"/>
+          </a:xfrm>
+          <a:prstGeom prst="ellipse">
+            <a:avLst/>
+          </a:prstGeom>
+          <a:solidFill>
+            <a:schemeClr val="bg1"/>
+          </a:solidFill>
+          <a:ln>
+            <a:solidFill>
+              <a:schemeClr val="tx1"/>
+            </a:solidFill>
+          </a:ln>
+        </p:spPr>
+        <p:style>
+          <a:lnRef idx="2">
+            <a:schemeClr val="accent1">
+              <a:shade val="50000"/>
+            </a:schemeClr>
+          </a:lnRef>
+          <a:fillRef idx="1">
+            <a:schemeClr val="accent1"/>
+          </a:fillRef>
+          <a:effectRef idx="0">
+            <a:schemeClr val="accent1"/>
+          </a:effectRef>
+          <a:fontRef idx="minor">
+            <a:schemeClr val="lt1"/>
+          </a:fontRef>
+        </p:style>
+        <p:txBody>
+          <a:bodyPr rtlCol="0" anchor="ctr"/>
+          <a:lstStyle/>
+          <a:p>
+            <a:pPr algn="ctr"/>
+            <a:endParaRPr lang="zh-CN" altLang="en-US"/>
+          </a:p>
+        </p:txBody>
+      </p:sp>
+      <p:sp>
+        <p:nvSpPr>
+          <p:cNvPr id="32" name="椭圆 31">
+            <a:extLst>
+              <a:ext uri="{FF2B5EF4-FFF2-40B4-BE49-F238E27FC236}">
+                <a16:creationId xmlns:a16="http://schemas.microsoft.com/office/drawing/2014/main" id="{20C5CD31-B19F-C8EA-BEE2-861DA84B3755}"/>
+              </a:ext>
+            </a:extLst>
+          </p:cNvPr>
+          <p:cNvSpPr/>
+          <p:nvPr/>
+        </p:nvSpPr>
+        <p:spPr>
+          <a:xfrm>
+            <a:off x="6653805" y="2919002"/>
+            <a:ext cx="139823" cy="139823"/>
+          </a:xfrm>
+          <a:prstGeom prst="ellipse">
+            <a:avLst/>
+          </a:prstGeom>
+          <a:solidFill>
+            <a:schemeClr val="bg1"/>
+          </a:solidFill>
+          <a:ln>
+            <a:solidFill>
+              <a:schemeClr val="tx1"/>
+            </a:solidFill>
+          </a:ln>
+        </p:spPr>
+        <p:style>
+          <a:lnRef idx="2">
+            <a:schemeClr val="accent1">
+              <a:shade val="50000"/>
+            </a:schemeClr>
+          </a:lnRef>
+          <a:fillRef idx="1">
+            <a:schemeClr val="accent1"/>
+          </a:fillRef>
+          <a:effectRef idx="0">
+            <a:schemeClr val="accent1"/>
+          </a:effectRef>
+          <a:fontRef idx="minor">
+            <a:schemeClr val="lt1"/>
+          </a:fontRef>
+        </p:style>
+        <p:txBody>
+          <a:bodyPr rtlCol="0" anchor="ctr"/>
+          <a:lstStyle/>
+          <a:p>
+            <a:pPr algn="ctr"/>
+            <a:endParaRPr lang="zh-CN" altLang="en-US"/>
+          </a:p>
+        </p:txBody>
+      </p:sp>
+      <mc:AlternateContent xmlns:mc="http://schemas.openxmlformats.org/markup-compatibility/2006">
+        <mc:Choice xmlns:a14="http://schemas.microsoft.com/office/drawing/2010/main" Requires="a14">
+          <p:sp>
+            <p:nvSpPr>
+              <p:cNvPr id="33" name="文本框 32">
+                <a:extLst>
+                  <a:ext uri="{FF2B5EF4-FFF2-40B4-BE49-F238E27FC236}">
+                    <a16:creationId xmlns:a16="http://schemas.microsoft.com/office/drawing/2014/main" id="{6421CD25-1A4E-7C1B-C03A-6122FFAAA2A6}"/>
+                  </a:ext>
+                </a:extLst>
+              </p:cNvPr>
+              <p:cNvSpPr txBox="1"/>
+              <p:nvPr/>
+            </p:nvSpPr>
+            <p:spPr>
+              <a:xfrm>
+                <a:off x="2058322" y="3558080"/>
+                <a:ext cx="143564" cy="276999"/>
+              </a:xfrm>
+              <a:prstGeom prst="rect">
+                <a:avLst/>
+              </a:prstGeom>
+              <a:noFill/>
+            </p:spPr>
+            <p:txBody>
+              <a:bodyPr wrap="none" lIns="0" tIns="0" rIns="0" bIns="0" rtlCol="0">
+                <a:spAutoFit/>
+              </a:bodyPr>
+              <a:lstStyle/>
+              <a:p>
+                <a14:m>
+                  <m:oMathPara xmlns:m="http://schemas.openxmlformats.org/officeDocument/2006/math">
+                    <m:oMathParaPr>
+                      <m:jc m:val="centerGroup"/>
+                    </m:oMathParaPr>
+                    <m:oMath xmlns:m="http://schemas.openxmlformats.org/officeDocument/2006/math">
+                      <m:r>
+                        <a:rPr lang="en-US" altLang="zh-CN" b="0" i="1" smtClean="0">
+                          <a:latin typeface="Cambria Math" panose="02040503050406030204" pitchFamily="18" charset="0"/>
+                        </a:rPr>
+                        <m:t>𝑖</m:t>
+                      </m:r>
+                    </m:oMath>
+                  </m:oMathPara>
+                </a14:m>
+                <a:endParaRPr lang="zh-CN" altLang="en-US" dirty="0"/>
+              </a:p>
+            </p:txBody>
+          </p:sp>
+        </mc:Choice>
+        <mc:Fallback>
+          <p:sp>
+            <p:nvSpPr>
+              <p:cNvPr id="33" name="文本框 32">
+                <a:extLst>
+                  <a:ext uri="{FF2B5EF4-FFF2-40B4-BE49-F238E27FC236}">
+                    <a16:creationId xmlns:a16="http://schemas.microsoft.com/office/drawing/2014/main" id="{6421CD25-1A4E-7C1B-C03A-6122FFAAA2A6}"/>
+                  </a:ext>
+                </a:extLst>
+              </p:cNvPr>
+              <p:cNvSpPr txBox="1">
+                <a:spLocks noRot="1" noChangeAspect="1" noMove="1" noResize="1" noEditPoints="1" noAdjustHandles="1" noChangeArrowheads="1" noChangeShapeType="1" noTextEdit="1"/>
+              </p:cNvSpPr>
+              <p:nvPr/>
+            </p:nvSpPr>
+            <p:spPr>
+              <a:xfrm>
+                <a:off x="2058322" y="3558080"/>
+                <a:ext cx="143564" cy="276999"/>
+              </a:xfrm>
+              <a:prstGeom prst="rect">
+                <a:avLst/>
+              </a:prstGeom>
+              <a:blipFill>
+                <a:blip r:embed="rId8"/>
+                <a:stretch>
+                  <a:fillRect l="-39130" r="-34783" b="-8889"/>
+                </a:stretch>
+              </a:blipFill>
+            </p:spPr>
+            <p:txBody>
+              <a:bodyPr/>
+              <a:lstStyle/>
+              <a:p>
+                <a:r>
+                  <a:rPr lang="zh-CN" altLang="en-US">
+                    <a:noFill/>
+                  </a:rPr>
+                  <a:t> </a:t>
+                </a:r>
+              </a:p>
+            </p:txBody>
+          </p:sp>
+        </mc:Fallback>
+      </mc:AlternateContent>
+      <mc:AlternateContent xmlns:mc="http://schemas.openxmlformats.org/markup-compatibility/2006">
+        <mc:Choice xmlns:a14="http://schemas.microsoft.com/office/drawing/2010/main" Requires="a14">
+          <p:sp>
+            <p:nvSpPr>
+              <p:cNvPr id="34" name="文本框 33">
+                <a:extLst>
+                  <a:ext uri="{FF2B5EF4-FFF2-40B4-BE49-F238E27FC236}">
+                    <a16:creationId xmlns:a16="http://schemas.microsoft.com/office/drawing/2014/main" id="{A8564C74-72C1-C7B8-715F-B4FBB02077B5}"/>
+                  </a:ext>
+                </a:extLst>
+              </p:cNvPr>
+              <p:cNvSpPr txBox="1"/>
+              <p:nvPr/>
+            </p:nvSpPr>
+            <p:spPr>
+              <a:xfrm>
+                <a:off x="3073565" y="3514020"/>
+                <a:ext cx="201402" cy="276999"/>
+              </a:xfrm>
+              <a:prstGeom prst="rect">
+                <a:avLst/>
+              </a:prstGeom>
+              <a:noFill/>
+            </p:spPr>
+            <p:txBody>
+              <a:bodyPr wrap="none" lIns="0" tIns="0" rIns="0" bIns="0" rtlCol="0">
+                <a:spAutoFit/>
+              </a:bodyPr>
+              <a:lstStyle/>
+              <a:p>
+                <a14:m>
+                  <m:oMathPara xmlns:m="http://schemas.openxmlformats.org/officeDocument/2006/math">
+                    <m:oMathParaPr>
+                      <m:jc m:val="centerGroup"/>
+                    </m:oMathParaPr>
+                    <m:oMath xmlns:m="http://schemas.openxmlformats.org/officeDocument/2006/math">
+                      <m:r>
+                        <a:rPr lang="en-US" altLang="zh-CN" b="0" i="1" smtClean="0">
+                          <a:latin typeface="Cambria Math" panose="02040503050406030204" pitchFamily="18" charset="0"/>
+                        </a:rPr>
+                        <m:t>𝑢</m:t>
+                      </m:r>
+                    </m:oMath>
+                  </m:oMathPara>
+                </a14:m>
+                <a:endParaRPr lang="zh-CN" altLang="en-US" dirty="0"/>
+              </a:p>
+            </p:txBody>
+          </p:sp>
+        </mc:Choice>
+        <mc:Fallback>
+          <p:sp>
+            <p:nvSpPr>
+              <p:cNvPr id="34" name="文本框 33">
+                <a:extLst>
+                  <a:ext uri="{FF2B5EF4-FFF2-40B4-BE49-F238E27FC236}">
+                    <a16:creationId xmlns:a16="http://schemas.microsoft.com/office/drawing/2014/main" id="{A8564C74-72C1-C7B8-715F-B4FBB02077B5}"/>
+                  </a:ext>
+                </a:extLst>
+              </p:cNvPr>
+              <p:cNvSpPr txBox="1">
+                <a:spLocks noRot="1" noChangeAspect="1" noMove="1" noResize="1" noEditPoints="1" noAdjustHandles="1" noChangeArrowheads="1" noChangeShapeType="1" noTextEdit="1"/>
+              </p:cNvSpPr>
+              <p:nvPr/>
+            </p:nvSpPr>
+            <p:spPr>
+              <a:xfrm>
+                <a:off x="3073565" y="3514020"/>
+                <a:ext cx="201402" cy="276999"/>
+              </a:xfrm>
+              <a:prstGeom prst="rect">
+                <a:avLst/>
+              </a:prstGeom>
+              <a:blipFill>
+                <a:blip r:embed="rId9"/>
+                <a:stretch>
+                  <a:fillRect l="-15152" r="-12121"/>
+                </a:stretch>
+              </a:blipFill>
+            </p:spPr>
+            <p:txBody>
+              <a:bodyPr/>
+              <a:lstStyle/>
+              <a:p>
+                <a:r>
+                  <a:rPr lang="zh-CN" altLang="en-US">
+                    <a:noFill/>
+                  </a:rPr>
+                  <a:t> </a:t>
+                </a:r>
+              </a:p>
+            </p:txBody>
+          </p:sp>
+        </mc:Fallback>
+      </mc:AlternateContent>
+      <mc:AlternateContent xmlns:mc="http://schemas.openxmlformats.org/markup-compatibility/2006">
+        <mc:Choice xmlns:a14="http://schemas.microsoft.com/office/drawing/2010/main" Requires="a14">
+          <p:sp>
+            <p:nvSpPr>
+              <p:cNvPr id="35" name="文本框 34">
+                <a:extLst>
+                  <a:ext uri="{FF2B5EF4-FFF2-40B4-BE49-F238E27FC236}">
+                    <a16:creationId xmlns:a16="http://schemas.microsoft.com/office/drawing/2014/main" id="{BACAC6B5-DD42-C6CC-AA7D-B73040649717}"/>
+                  </a:ext>
+                </a:extLst>
+              </p:cNvPr>
+              <p:cNvSpPr txBox="1"/>
+              <p:nvPr/>
+            </p:nvSpPr>
+            <p:spPr>
+              <a:xfrm>
+                <a:off x="5440170" y="3149805"/>
+                <a:ext cx="143564" cy="276999"/>
+              </a:xfrm>
+              <a:prstGeom prst="rect">
+                <a:avLst/>
+              </a:prstGeom>
+              <a:noFill/>
+            </p:spPr>
+            <p:txBody>
+              <a:bodyPr wrap="none" lIns="0" tIns="0" rIns="0" bIns="0" rtlCol="0">
+                <a:spAutoFit/>
+              </a:bodyPr>
+              <a:lstStyle/>
+              <a:p>
+                <a14:m>
+                  <m:oMathPara xmlns:m="http://schemas.openxmlformats.org/officeDocument/2006/math">
+                    <m:oMathParaPr>
+                      <m:jc m:val="centerGroup"/>
+                    </m:oMathParaPr>
+                    <m:oMath xmlns:m="http://schemas.openxmlformats.org/officeDocument/2006/math">
+                      <m:r>
+                        <a:rPr lang="en-US" altLang="zh-CN" b="0" i="1" smtClean="0">
+                          <a:latin typeface="Cambria Math" panose="02040503050406030204" pitchFamily="18" charset="0"/>
+                        </a:rPr>
+                        <m:t>𝑖</m:t>
+                      </m:r>
+                    </m:oMath>
+                  </m:oMathPara>
+                </a14:m>
+                <a:endParaRPr lang="zh-CN" altLang="en-US" dirty="0"/>
+              </a:p>
+            </p:txBody>
+          </p:sp>
+        </mc:Choice>
+        <mc:Fallback>
+          <p:sp>
+            <p:nvSpPr>
+              <p:cNvPr id="35" name="文本框 34">
+                <a:extLst>
+                  <a:ext uri="{FF2B5EF4-FFF2-40B4-BE49-F238E27FC236}">
+                    <a16:creationId xmlns:a16="http://schemas.microsoft.com/office/drawing/2014/main" id="{BACAC6B5-DD42-C6CC-AA7D-B73040649717}"/>
+                  </a:ext>
+                </a:extLst>
+              </p:cNvPr>
+              <p:cNvSpPr txBox="1">
+                <a:spLocks noRot="1" noChangeAspect="1" noMove="1" noResize="1" noEditPoints="1" noAdjustHandles="1" noChangeArrowheads="1" noChangeShapeType="1" noTextEdit="1"/>
+              </p:cNvSpPr>
+              <p:nvPr/>
+            </p:nvSpPr>
+            <p:spPr>
+              <a:xfrm>
+                <a:off x="5440170" y="3149805"/>
+                <a:ext cx="143564" cy="276999"/>
+              </a:xfrm>
+              <a:prstGeom prst="rect">
+                <a:avLst/>
+              </a:prstGeom>
+              <a:blipFill>
+                <a:blip r:embed="rId10"/>
+                <a:stretch>
+                  <a:fillRect l="-37500" r="-29167" b="-8889"/>
+                </a:stretch>
+              </a:blipFill>
+            </p:spPr>
+            <p:txBody>
+              <a:bodyPr/>
+              <a:lstStyle/>
+              <a:p>
+                <a:r>
+                  <a:rPr lang="zh-CN" altLang="en-US">
+                    <a:noFill/>
+                  </a:rPr>
+                  <a:t> </a:t>
+                </a:r>
+              </a:p>
+            </p:txBody>
+          </p:sp>
+        </mc:Fallback>
+      </mc:AlternateContent>
+      <mc:AlternateContent xmlns:mc="http://schemas.openxmlformats.org/markup-compatibility/2006">
+        <mc:Choice xmlns:a14="http://schemas.microsoft.com/office/drawing/2010/main" Requires="a14">
+          <p:sp>
+            <p:nvSpPr>
+              <p:cNvPr id="36" name="文本框 35">
+                <a:extLst>
+                  <a:ext uri="{FF2B5EF4-FFF2-40B4-BE49-F238E27FC236}">
+                    <a16:creationId xmlns:a16="http://schemas.microsoft.com/office/drawing/2014/main" id="{A1E65CE2-6961-C753-0401-CCD18ED028A1}"/>
+                  </a:ext>
+                </a:extLst>
+              </p:cNvPr>
+              <p:cNvSpPr txBox="1"/>
+              <p:nvPr/>
+            </p:nvSpPr>
+            <p:spPr>
+              <a:xfrm>
+                <a:off x="6651934" y="3084723"/>
+                <a:ext cx="201402" cy="276999"/>
+              </a:xfrm>
+              <a:prstGeom prst="rect">
+                <a:avLst/>
+              </a:prstGeom>
+              <a:noFill/>
+            </p:spPr>
+            <p:txBody>
+              <a:bodyPr wrap="none" lIns="0" tIns="0" rIns="0" bIns="0" rtlCol="0">
+                <a:spAutoFit/>
+              </a:bodyPr>
+              <a:lstStyle/>
+              <a:p>
+                <a14:m>
+                  <m:oMathPara xmlns:m="http://schemas.openxmlformats.org/officeDocument/2006/math">
+                    <m:oMathParaPr>
+                      <m:jc m:val="centerGroup"/>
+                    </m:oMathParaPr>
+                    <m:oMath xmlns:m="http://schemas.openxmlformats.org/officeDocument/2006/math">
+                      <m:r>
+                        <a:rPr lang="en-US" altLang="zh-CN" b="0" i="1" smtClean="0">
+                          <a:latin typeface="Cambria Math" panose="02040503050406030204" pitchFamily="18" charset="0"/>
+                        </a:rPr>
+                        <m:t>𝑢</m:t>
+                      </m:r>
+                    </m:oMath>
+                  </m:oMathPara>
+                </a14:m>
+                <a:endParaRPr lang="zh-CN" altLang="en-US" dirty="0"/>
+              </a:p>
+            </p:txBody>
+          </p:sp>
+        </mc:Choice>
+        <mc:Fallback>
+          <p:sp>
+            <p:nvSpPr>
+              <p:cNvPr id="36" name="文本框 35">
+                <a:extLst>
+                  <a:ext uri="{FF2B5EF4-FFF2-40B4-BE49-F238E27FC236}">
+                    <a16:creationId xmlns:a16="http://schemas.microsoft.com/office/drawing/2014/main" id="{A1E65CE2-6961-C753-0401-CCD18ED028A1}"/>
+                  </a:ext>
+                </a:extLst>
+              </p:cNvPr>
+              <p:cNvSpPr txBox="1">
+                <a:spLocks noRot="1" noChangeAspect="1" noMove="1" noResize="1" noEditPoints="1" noAdjustHandles="1" noChangeArrowheads="1" noChangeShapeType="1" noTextEdit="1"/>
+              </p:cNvSpPr>
+              <p:nvPr/>
+            </p:nvSpPr>
+            <p:spPr>
+              <a:xfrm>
+                <a:off x="6651934" y="3084723"/>
+                <a:ext cx="201402" cy="276999"/>
+              </a:xfrm>
+              <a:prstGeom prst="rect">
+                <a:avLst/>
+              </a:prstGeom>
+              <a:blipFill>
+                <a:blip r:embed="rId11"/>
+                <a:stretch>
+                  <a:fillRect l="-15152" r="-12121"/>
+                </a:stretch>
+              </a:blipFill>
+            </p:spPr>
+            <p:txBody>
+              <a:bodyPr/>
+              <a:lstStyle/>
+              <a:p>
+                <a:r>
+                  <a:rPr lang="zh-CN" altLang="en-US">
+                    <a:noFill/>
+                  </a:rPr>
+                  <a:t> </a:t>
+                </a:r>
+              </a:p>
+            </p:txBody>
+          </p:sp>
+        </mc:Fallback>
+      </mc:AlternateContent>
+    </p:spTree>
+    <p:extLst>
+      <p:ext uri="{BB962C8B-B14F-4D97-AF65-F5344CB8AC3E}">
+        <p14:creationId xmlns:p14="http://schemas.microsoft.com/office/powerpoint/2010/main" val="4283335955"/>
+      </p:ext>
+    </p:extLst>
+  </p:cSld>
+  <p:clrMapOvr>
+    <a:masterClrMapping/>
+  </p:clrMapOvr>
+</p:sld>
+</file>
+
 <file path=ppt/theme/theme1.xml><?xml version="1.0" encoding="utf-8"?>
 <a:theme xmlns:a="http://schemas.openxmlformats.org/drawingml/2006/main" name="Office 主题​​">
   <a:themeElements>
